--- a/Week 2 - Graph Theory/slides/Graphs.pptx
+++ b/Week 2 - Graph Theory/slides/Graphs.pptx
@@ -231,7 +231,7 @@
           <a:p>
             <a:fld id="{F666E1FD-E7A0-497B-BBC0-740BAAC97C64}" type="datetimeFigureOut">
               <a:rPr lang="en-PH" smtClean="0"/>
-              <a:t>4/4/24</a:t>
+              <a:t>4/18/24</a:t>
             </a:fld>
             <a:endParaRPr lang="en-PH"/>
           </a:p>
@@ -3588,7 +3588,7 @@
           <a:p>
             <a:fld id="{0CCF0B81-6BD8-4C65-9459-815598C5F1F4}" type="datetimeFigureOut">
               <a:rPr lang="en-PH" smtClean="0"/>
-              <a:t>4/4/24</a:t>
+              <a:t>4/18/24</a:t>
             </a:fld>
             <a:endParaRPr lang="en-PH"/>
           </a:p>
@@ -3788,7 +3788,7 @@
           <a:p>
             <a:fld id="{0CCF0B81-6BD8-4C65-9459-815598C5F1F4}" type="datetimeFigureOut">
               <a:rPr lang="en-PH" smtClean="0"/>
-              <a:t>4/4/24</a:t>
+              <a:t>4/18/24</a:t>
             </a:fld>
             <a:endParaRPr lang="en-PH"/>
           </a:p>
@@ -3998,7 +3998,7 @@
           <a:p>
             <a:fld id="{0CCF0B81-6BD8-4C65-9459-815598C5F1F4}" type="datetimeFigureOut">
               <a:rPr lang="en-PH" smtClean="0"/>
-              <a:t>4/4/24</a:t>
+              <a:t>4/18/24</a:t>
             </a:fld>
             <a:endParaRPr lang="en-PH"/>
           </a:p>
@@ -4198,7 +4198,7 @@
           <a:p>
             <a:fld id="{0CCF0B81-6BD8-4C65-9459-815598C5F1F4}" type="datetimeFigureOut">
               <a:rPr lang="en-PH" smtClean="0"/>
-              <a:t>4/4/24</a:t>
+              <a:t>4/18/24</a:t>
             </a:fld>
             <a:endParaRPr lang="en-PH"/>
           </a:p>
@@ -4474,7 +4474,7 @@
           <a:p>
             <a:fld id="{0CCF0B81-6BD8-4C65-9459-815598C5F1F4}" type="datetimeFigureOut">
               <a:rPr lang="en-PH" smtClean="0"/>
-              <a:t>4/4/24</a:t>
+              <a:t>4/18/24</a:t>
             </a:fld>
             <a:endParaRPr lang="en-PH"/>
           </a:p>
@@ -4742,7 +4742,7 @@
           <a:p>
             <a:fld id="{0CCF0B81-6BD8-4C65-9459-815598C5F1F4}" type="datetimeFigureOut">
               <a:rPr lang="en-PH" smtClean="0"/>
-              <a:t>4/4/24</a:t>
+              <a:t>4/18/24</a:t>
             </a:fld>
             <a:endParaRPr lang="en-PH"/>
           </a:p>
@@ -5157,7 +5157,7 @@
           <a:p>
             <a:fld id="{0CCF0B81-6BD8-4C65-9459-815598C5F1F4}" type="datetimeFigureOut">
               <a:rPr lang="en-PH" smtClean="0"/>
-              <a:t>4/4/24</a:t>
+              <a:t>4/18/24</a:t>
             </a:fld>
             <a:endParaRPr lang="en-PH"/>
           </a:p>
@@ -5299,7 +5299,7 @@
           <a:p>
             <a:fld id="{0CCF0B81-6BD8-4C65-9459-815598C5F1F4}" type="datetimeFigureOut">
               <a:rPr lang="en-PH" smtClean="0"/>
-              <a:t>4/4/24</a:t>
+              <a:t>4/18/24</a:t>
             </a:fld>
             <a:endParaRPr lang="en-PH"/>
           </a:p>
@@ -5412,7 +5412,7 @@
           <a:p>
             <a:fld id="{0CCF0B81-6BD8-4C65-9459-815598C5F1F4}" type="datetimeFigureOut">
               <a:rPr lang="en-PH" smtClean="0"/>
-              <a:t>4/4/24</a:t>
+              <a:t>4/18/24</a:t>
             </a:fld>
             <a:endParaRPr lang="en-PH"/>
           </a:p>
@@ -5725,7 +5725,7 @@
           <a:p>
             <a:fld id="{0CCF0B81-6BD8-4C65-9459-815598C5F1F4}" type="datetimeFigureOut">
               <a:rPr lang="en-PH" smtClean="0"/>
-              <a:t>4/4/24</a:t>
+              <a:t>4/18/24</a:t>
             </a:fld>
             <a:endParaRPr lang="en-PH"/>
           </a:p>
@@ -6014,7 +6014,7 @@
           <a:p>
             <a:fld id="{0CCF0B81-6BD8-4C65-9459-815598C5F1F4}" type="datetimeFigureOut">
               <a:rPr lang="en-PH" smtClean="0"/>
-              <a:t>4/4/24</a:t>
+              <a:t>4/18/24</a:t>
             </a:fld>
             <a:endParaRPr lang="en-PH"/>
           </a:p>
@@ -6257,7 +6257,7 @@
           <a:p>
             <a:fld id="{0CCF0B81-6BD8-4C65-9459-815598C5F1F4}" type="datetimeFigureOut">
               <a:rPr lang="en-PH" smtClean="0"/>
-              <a:t>4/4/24</a:t>
+              <a:t>4/18/24</a:t>
             </a:fld>
             <a:endParaRPr lang="en-PH"/>
           </a:p>
@@ -14066,9 +14066,10 @@
           <a:lstStyle/>
           <a:p>
             <a:r>
-              <a:rPr lang="en-PH" b="1" dirty="0"/>
-              <a:t>Adjacency Matrix</a:t>
+              <a:rPr lang="en-PH" b="1"/>
+              <a:t>Adjacency List</a:t>
             </a:r>
+            <a:endParaRPr lang="en-PH" b="1" dirty="0"/>
           </a:p>
         </p:txBody>
       </p:sp>
@@ -31465,6 +31466,12 @@
 </file>
 
 <file path=customXml/item1.xml><?xml version="1.0" encoding="utf-8"?>
+<p:properties xmlns:p="http://schemas.microsoft.com/office/2006/metadata/properties" xmlns:xsi="http://www.w3.org/2001/XMLSchema-instance" xmlns:pc="http://schemas.microsoft.com/office/infopath/2007/PartnerControls">
+  <documentManagement/>
+</p:properties>
+</file>
+
+<file path=customXml/item2.xml><?xml version="1.0" encoding="utf-8"?>
 <ct:contentTypeSchema xmlns:ct="http://schemas.microsoft.com/office/2006/metadata/contentType" xmlns:ma="http://schemas.microsoft.com/office/2006/metadata/properties/metaAttributes" ct:_="" ma:_="" ma:contentTypeName="Document" ma:contentTypeID="0x0101007188BDCA587B344BBA6CB1A93FAE6998" ma:contentTypeVersion="2" ma:contentTypeDescription="Create a new document." ma:contentTypeScope="" ma:versionID="7a8e4b6720badb2566a0cfeddfaf2856">
   <xsd:schema xmlns:xsd="http://www.w3.org/2001/XMLSchema" xmlns:xs="http://www.w3.org/2001/XMLSchema" xmlns:p="http://schemas.microsoft.com/office/2006/metadata/properties" xmlns:ns2="ba111d12-426d-4af0-bcb6-460e36974645" targetNamespace="http://schemas.microsoft.com/office/2006/metadata/properties" ma:root="true" ma:fieldsID="989b05398519136c88ba0a8d54e3c3da" ns2:_="">
     <xsd:import namespace="ba111d12-426d-4af0-bcb6-460e36974645"/>
@@ -31596,12 +31603,6 @@
 </ct:contentTypeSchema>
 </file>
 
-<file path=customXml/item2.xml><?xml version="1.0" encoding="utf-8"?>
-<p:properties xmlns:p="http://schemas.microsoft.com/office/2006/metadata/properties" xmlns:xsi="http://www.w3.org/2001/XMLSchema-instance" xmlns:pc="http://schemas.microsoft.com/office/infopath/2007/PartnerControls">
-  <documentManagement/>
-</p:properties>
-</file>
-
 <file path=customXml/item3.xml><?xml version="1.0" encoding="utf-8"?>
 <?mso-contentType ?>
 <FormTemplates xmlns="http://schemas.microsoft.com/sharepoint/v3/contenttype/forms">
@@ -31612,6 +31613,15 @@
 </file>
 
 <file path=customXml/itemProps1.xml><?xml version="1.0" encoding="utf-8"?>
+<ds:datastoreItem xmlns:ds="http://schemas.openxmlformats.org/officeDocument/2006/customXml" ds:itemID="{A05518A6-09E4-4E11-AE7D-4C13722BEBC7}">
+  <ds:schemaRefs>
+    <ds:schemaRef ds:uri="http://schemas.microsoft.com/office/2006/metadata/properties"/>
+    <ds:schemaRef ds:uri="http://schemas.microsoft.com/office/infopath/2007/PartnerControls"/>
+  </ds:schemaRefs>
+</ds:datastoreItem>
+</file>
+
+<file path=customXml/itemProps2.xml><?xml version="1.0" encoding="utf-8"?>
 <ds:datastoreItem xmlns:ds="http://schemas.openxmlformats.org/officeDocument/2006/customXml" ds:itemID="{46BFEDF5-8B64-4FF5-9637-4791A1C152B8}">
   <ds:schemaRefs>
     <ds:schemaRef ds:uri="http://schemas.microsoft.com/office/2006/metadata/contentType"/>
@@ -31629,15 +31639,6 @@
 </ds:datastoreItem>
 </file>
 
-<file path=customXml/itemProps2.xml><?xml version="1.0" encoding="utf-8"?>
-<ds:datastoreItem xmlns:ds="http://schemas.openxmlformats.org/officeDocument/2006/customXml" ds:itemID="{A05518A6-09E4-4E11-AE7D-4C13722BEBC7}">
-  <ds:schemaRefs>
-    <ds:schemaRef ds:uri="http://schemas.microsoft.com/office/2006/metadata/properties"/>
-    <ds:schemaRef ds:uri="http://schemas.microsoft.com/office/infopath/2007/PartnerControls"/>
-  </ds:schemaRefs>
-</ds:datastoreItem>
-</file>
-
 <file path=customXml/itemProps3.xml><?xml version="1.0" encoding="utf-8"?>
 <ds:datastoreItem xmlns:ds="http://schemas.openxmlformats.org/officeDocument/2006/customXml" ds:itemID="{AE0C03B0-3DE5-4BD9-B3BB-6E4919CD06B4}">
   <ds:schemaRefs>
